--- a/Documents/Insurance Premium Prediction.pptx
+++ b/Documents/Insurance Premium Prediction.pptx
@@ -2752,41 +2752,41 @@
     </dgm:pt>
   </dgm:ptLst>
   <dgm:cxnLst>
+    <dgm:cxn modelId="{C88E7E14-9248-4863-BC9F-01C79587FEFE}" srcId="{284E611E-71C2-417E-87EE-E417C0DB0558}" destId="{B061CC9E-CF2F-431A-857C-FB77105DD357}" srcOrd="6" destOrd="0" parTransId="{E1488EB1-E596-47E8-B6B2-E2647BA652D8}" sibTransId="{BB7566AC-3A83-447F-BA2A-382B27004D25}"/>
+    <dgm:cxn modelId="{DEF63FF3-76DD-4521-80FF-599445401D47}" type="presOf" srcId="{A619BE21-A747-4D07-B7DA-1D0B35A5D68E}" destId="{5809B755-CD41-488C-9E56-214C3FB3FA7B}" srcOrd="0" destOrd="0" presId="urn:microsoft.com/office/officeart/2005/8/layout/bProcess3"/>
+    <dgm:cxn modelId="{13F8895E-1CED-4287-88E5-CBB8FA73EE53}" srcId="{284E611E-71C2-417E-87EE-E417C0DB0558}" destId="{89498499-B845-4AC2-A45D-43DE47DA4791}" srcOrd="0" destOrd="0" parTransId="{9B6F4253-F0E7-412A-A85E-D8D1ABAF15A3}" sibTransId="{AF949BAC-DAF9-49E3-A897-CE547C9601F8}"/>
+    <dgm:cxn modelId="{7D4B440A-2ADC-43CB-B508-1BE7D2C45BFF}" srcId="{284E611E-71C2-417E-87EE-E417C0DB0558}" destId="{B8BC9F60-93FD-485B-A81C-7DCD50DC3881}" srcOrd="4" destOrd="0" parTransId="{A9B4C663-805F-45F1-808D-4CA6F4A642BE}" sibTransId="{33CED1FC-237A-4ADD-9110-44F53CA8DD74}"/>
+    <dgm:cxn modelId="{77843CCA-207F-45FD-AB9E-97FA95C3A762}" type="presOf" srcId="{BB7566AC-3A83-447F-BA2A-382B27004D25}" destId="{6DCB67C7-FA58-4968-B9DE-68FD2F46AE3D}" srcOrd="1" destOrd="0" presId="urn:microsoft.com/office/officeart/2005/8/layout/bProcess3"/>
+    <dgm:cxn modelId="{052110BC-44E5-45B5-8237-7C4BB30EBD7C}" type="presOf" srcId="{1757B1B9-C856-406F-8738-AF3FCCED7E84}" destId="{CE5476AC-549F-48C0-BA9B-C7820F0AC49D}" srcOrd="0" destOrd="0" presId="urn:microsoft.com/office/officeart/2005/8/layout/bProcess3"/>
+    <dgm:cxn modelId="{EFF36ACC-02A6-4913-953B-E297C1593EBE}" type="presOf" srcId="{9FED3969-C2A7-4241-BA3F-88E4D1BE5E08}" destId="{E7156C99-FB46-4EE2-8BE9-16A4465B9212}" srcOrd="0" destOrd="0" presId="urn:microsoft.com/office/officeart/2005/8/layout/bProcess3"/>
     <dgm:cxn modelId="{CD7952E1-51EA-456B-929E-A2931EB75E3B}" srcId="{284E611E-71C2-417E-87EE-E417C0DB0558}" destId="{C014A57D-C6E8-4AAB-A060-D5F6BCA37637}" srcOrd="3" destOrd="0" parTransId="{A328A720-D00E-4D2E-9468-B47251E230F7}" sibTransId="{A619BE21-A747-4D07-B7DA-1D0B35A5D68E}"/>
-    <dgm:cxn modelId="{13F8895E-1CED-4287-88E5-CBB8FA73EE53}" srcId="{284E611E-71C2-417E-87EE-E417C0DB0558}" destId="{89498499-B845-4AC2-A45D-43DE47DA4791}" srcOrd="0" destOrd="0" parTransId="{9B6F4253-F0E7-412A-A85E-D8D1ABAF15A3}" sibTransId="{AF949BAC-DAF9-49E3-A897-CE547C9601F8}"/>
+    <dgm:cxn modelId="{88D5A565-730D-49D3-894F-457D8B1EFE43}" type="presOf" srcId="{BB7566AC-3A83-447F-BA2A-382B27004D25}" destId="{FD1B12E6-491D-4866-991D-DABF1CF9A08E}" srcOrd="0" destOrd="0" presId="urn:microsoft.com/office/officeart/2005/8/layout/bProcess3"/>
+    <dgm:cxn modelId="{E9BAE579-74F9-40C2-A0A7-E3383DC5420A}" type="presOf" srcId="{CA6672FE-A628-4E96-A02F-AD11477B9913}" destId="{653D2EF1-ABB4-4A61-BDE0-4EF192BD6D7C}" srcOrd="0" destOrd="0" presId="urn:microsoft.com/office/officeart/2005/8/layout/bProcess3"/>
+    <dgm:cxn modelId="{5808AE75-2211-4FB7-8B07-056F34210B9E}" type="presOf" srcId="{A619BE21-A747-4D07-B7DA-1D0B35A5D68E}" destId="{F9BB8BF0-ABE2-425F-927E-8DB443D3107C}" srcOrd="1" destOrd="0" presId="urn:microsoft.com/office/officeart/2005/8/layout/bProcess3"/>
+    <dgm:cxn modelId="{6E560355-0363-4FBE-B749-BADDC1F23856}" type="presOf" srcId="{8562C8B8-CD04-4AFF-A5B2-3EB1D3C1951E}" destId="{1D597BB7-12ED-4FF2-875F-6A0E05FCDE15}" srcOrd="0" destOrd="0" presId="urn:microsoft.com/office/officeart/2005/8/layout/bProcess3"/>
+    <dgm:cxn modelId="{C8B7C9AE-5E8A-4CB1-82D6-FDD3658D93A3}" srcId="{284E611E-71C2-417E-87EE-E417C0DB0558}" destId="{1757B1B9-C856-406F-8738-AF3FCCED7E84}" srcOrd="5" destOrd="0" parTransId="{9CA5B989-D8DD-4D2C-B7C5-D5317127031D}" sibTransId="{E1F0745C-80E5-4E26-8653-3FD508814A25}"/>
+    <dgm:cxn modelId="{2438D8E7-F363-4CE1-B6A4-4739A2C5F144}" type="presOf" srcId="{D25109BB-C51E-409B-B555-F8E590E1A173}" destId="{90AC0A72-F5F1-4336-B253-433B1F614473}" srcOrd="0" destOrd="0" presId="urn:microsoft.com/office/officeart/2005/8/layout/bProcess3"/>
+    <dgm:cxn modelId="{4D794E6C-CD9F-465E-8E09-E4D8B37D6FDD}" srcId="{284E611E-71C2-417E-87EE-E417C0DB0558}" destId="{8562C8B8-CD04-4AFF-A5B2-3EB1D3C1951E}" srcOrd="2" destOrd="0" parTransId="{CA8B2205-EC3A-4CDE-98C0-30AB0984C862}" sibTransId="{D25109BB-C51E-409B-B555-F8E590E1A173}"/>
+    <dgm:cxn modelId="{AD23B530-2CF3-4AC8-9C22-9DDC64E218CE}" type="presOf" srcId="{CA6672FE-A628-4E96-A02F-AD11477B9913}" destId="{122317E6-E9D2-467D-9EDB-38C3E75821E2}" srcOrd="1" destOrd="0" presId="urn:microsoft.com/office/officeart/2005/8/layout/bProcess3"/>
+    <dgm:cxn modelId="{FE53A439-1995-4BD5-90F3-7C6F8DB4ECB4}" type="presOf" srcId="{D25109BB-C51E-409B-B555-F8E590E1A173}" destId="{813152EC-1F6D-439A-8CE5-F24DBEA37043}" srcOrd="1" destOrd="0" presId="urn:microsoft.com/office/officeart/2005/8/layout/bProcess3"/>
+    <dgm:cxn modelId="{5FFC02B3-2020-4BA3-877B-2E58F4B0BDBA}" srcId="{284E611E-71C2-417E-87EE-E417C0DB0558}" destId="{9FED3969-C2A7-4241-BA3F-88E4D1BE5E08}" srcOrd="7" destOrd="0" parTransId="{4DCCD035-D8B7-465F-8900-C54743183C48}" sibTransId="{CA6672FE-A628-4E96-A02F-AD11477B9913}"/>
+    <dgm:cxn modelId="{BD25D5D9-1315-49DD-9FCA-D01C97817BAF}" type="presOf" srcId="{E1F0745C-80E5-4E26-8653-3FD508814A25}" destId="{A7DE1B80-7716-408D-92DF-9DB6F1D41562}" srcOrd="0" destOrd="0" presId="urn:microsoft.com/office/officeart/2005/8/layout/bProcess3"/>
+    <dgm:cxn modelId="{C8A9FED3-F1DD-46C9-A6C1-6E0516F5A08C}" type="presOf" srcId="{AF949BAC-DAF9-49E3-A897-CE547C9601F8}" destId="{A05CC8DD-4FE3-406E-8D70-6629907CACC6}" srcOrd="0" destOrd="0" presId="urn:microsoft.com/office/officeart/2005/8/layout/bProcess3"/>
+    <dgm:cxn modelId="{600FDED3-7DE1-4918-9A6D-3FF26E51C238}" type="presOf" srcId="{284E611E-71C2-417E-87EE-E417C0DB0558}" destId="{FC86891E-1AEA-4CEB-ABF9-A70AD810E276}" srcOrd="0" destOrd="0" presId="urn:microsoft.com/office/officeart/2005/8/layout/bProcess3"/>
+    <dgm:cxn modelId="{E9381861-41CF-4EE9-8587-A5DC3A464A0E}" type="presOf" srcId="{33CED1FC-237A-4ADD-9110-44F53CA8DD74}" destId="{D247B4AE-DEC9-4A22-9C58-486F4FDB0DF3}" srcOrd="1" destOrd="0" presId="urn:microsoft.com/office/officeart/2005/8/layout/bProcess3"/>
     <dgm:cxn modelId="{688BE4EF-96EE-4D7E-B543-16DCD965769C}" type="presOf" srcId="{E1F0745C-80E5-4E26-8653-3FD508814A25}" destId="{E93048A6-82C8-40E2-B20A-50972796A199}" srcOrd="1" destOrd="0" presId="urn:microsoft.com/office/officeart/2005/8/layout/bProcess3"/>
     <dgm:cxn modelId="{436F99C3-2664-4853-B9BA-8D2912722A17}" type="presOf" srcId="{B8BC9F60-93FD-485B-A81C-7DCD50DC3881}" destId="{EA17C146-3157-4943-859E-6431EA9A74E5}" srcOrd="0" destOrd="0" presId="urn:microsoft.com/office/officeart/2005/8/layout/bProcess3"/>
+    <dgm:cxn modelId="{69358BCF-D04A-4100-B29B-D1FDB1F61B55}" type="presOf" srcId="{CD540CCF-CE94-4407-9932-7CBF63ECE647}" destId="{C2ECE673-1768-4259-B993-98D82C851D5D}" srcOrd="0" destOrd="0" presId="urn:microsoft.com/office/officeart/2005/8/layout/bProcess3"/>
+    <dgm:cxn modelId="{A74A622C-D23C-4D36-8A27-5171B5B182D1}" type="presOf" srcId="{C014A57D-C6E8-4AAB-A060-D5F6BCA37637}" destId="{ECCBF374-0ED4-444B-8A9C-CEA494A21939}" srcOrd="0" destOrd="0" presId="urn:microsoft.com/office/officeart/2005/8/layout/bProcess3"/>
+    <dgm:cxn modelId="{6EC3E552-9A0C-4313-A01C-79994C50399C}" type="presOf" srcId="{B061CC9E-CF2F-431A-857C-FB77105DD357}" destId="{1FB9876E-C8A2-4D95-9220-7872EA0ABC80}" srcOrd="0" destOrd="0" presId="urn:microsoft.com/office/officeart/2005/8/layout/bProcess3"/>
+    <dgm:cxn modelId="{36198BD3-5C4A-49B1-B2F1-A757E33773F1}" type="presOf" srcId="{89498499-B845-4AC2-A45D-43DE47DA4791}" destId="{7DA89222-7D2A-4F94-9114-DDC3D86D1BBD}" srcOrd="0" destOrd="0" presId="urn:microsoft.com/office/officeart/2005/8/layout/bProcess3"/>
+    <dgm:cxn modelId="{50C10FBF-4745-475C-85BB-458F67F727CD}" srcId="{284E611E-71C2-417E-87EE-E417C0DB0558}" destId="{6B71C55F-B54C-45DE-B786-69502E69DE99}" srcOrd="8" destOrd="0" parTransId="{70258266-F2DB-49E6-B192-302EAD34308D}" sibTransId="{2B7E9662-57C0-484F-903F-BFB619DF735C}"/>
+    <dgm:cxn modelId="{6F47EA40-7A1E-491B-B96D-C24F1B7300F8}" type="presOf" srcId="{33CED1FC-237A-4ADD-9110-44F53CA8DD74}" destId="{33D3F7AC-6F46-4ABC-84B6-41C30CBF5503}" srcOrd="0" destOrd="0" presId="urn:microsoft.com/office/officeart/2005/8/layout/bProcess3"/>
+    <dgm:cxn modelId="{CE466B8D-43DD-4E9A-8DFD-08346BA24B2A}" srcId="{284E611E-71C2-417E-87EE-E417C0DB0558}" destId="{CD540CCF-CE94-4407-9932-7CBF63ECE647}" srcOrd="1" destOrd="0" parTransId="{9C39E7CA-E33F-48E3-807D-25BFB68ECADB}" sibTransId="{537E6BA5-EB98-4495-93A4-76B59A65DFCB}"/>
+    <dgm:cxn modelId="{B06A00D5-168A-48D5-9A36-C78ECE0C7CA4}" type="presOf" srcId="{6B71C55F-B54C-45DE-B786-69502E69DE99}" destId="{EA6ABCD5-04AE-42D2-B233-6DA2D19B4317}" srcOrd="0" destOrd="0" presId="urn:microsoft.com/office/officeart/2005/8/layout/bProcess3"/>
     <dgm:cxn modelId="{82C22353-AF0A-44C9-8419-2F7F7B40CB49}" type="presOf" srcId="{537E6BA5-EB98-4495-93A4-76B59A65DFCB}" destId="{21C0AD49-9D63-4B1E-A51A-A6DA634E411A}" srcOrd="0" destOrd="0" presId="urn:microsoft.com/office/officeart/2005/8/layout/bProcess3"/>
-    <dgm:cxn modelId="{052110BC-44E5-45B5-8237-7C4BB30EBD7C}" type="presOf" srcId="{1757B1B9-C856-406F-8738-AF3FCCED7E84}" destId="{CE5476AC-549F-48C0-BA9B-C7820F0AC49D}" srcOrd="0" destOrd="0" presId="urn:microsoft.com/office/officeart/2005/8/layout/bProcess3"/>
-    <dgm:cxn modelId="{50C10FBF-4745-475C-85BB-458F67F727CD}" srcId="{284E611E-71C2-417E-87EE-E417C0DB0558}" destId="{6B71C55F-B54C-45DE-B786-69502E69DE99}" srcOrd="8" destOrd="0" parTransId="{70258266-F2DB-49E6-B192-302EAD34308D}" sibTransId="{2B7E9662-57C0-484F-903F-BFB619DF735C}"/>
-    <dgm:cxn modelId="{7D4B440A-2ADC-43CB-B508-1BE7D2C45BFF}" srcId="{284E611E-71C2-417E-87EE-E417C0DB0558}" destId="{B8BC9F60-93FD-485B-A81C-7DCD50DC3881}" srcOrd="4" destOrd="0" parTransId="{A9B4C663-805F-45F1-808D-4CA6F4A642BE}" sibTransId="{33CED1FC-237A-4ADD-9110-44F53CA8DD74}"/>
-    <dgm:cxn modelId="{EFF36ACC-02A6-4913-953B-E297C1593EBE}" type="presOf" srcId="{9FED3969-C2A7-4241-BA3F-88E4D1BE5E08}" destId="{E7156C99-FB46-4EE2-8BE9-16A4465B9212}" srcOrd="0" destOrd="0" presId="urn:microsoft.com/office/officeart/2005/8/layout/bProcess3"/>
-    <dgm:cxn modelId="{6F47EA40-7A1E-491B-B96D-C24F1B7300F8}" type="presOf" srcId="{33CED1FC-237A-4ADD-9110-44F53CA8DD74}" destId="{33D3F7AC-6F46-4ABC-84B6-41C30CBF5503}" srcOrd="0" destOrd="0" presId="urn:microsoft.com/office/officeart/2005/8/layout/bProcess3"/>
-    <dgm:cxn modelId="{DEF63FF3-76DD-4521-80FF-599445401D47}" type="presOf" srcId="{A619BE21-A747-4D07-B7DA-1D0B35A5D68E}" destId="{5809B755-CD41-488C-9E56-214C3FB3FA7B}" srcOrd="0" destOrd="0" presId="urn:microsoft.com/office/officeart/2005/8/layout/bProcess3"/>
-    <dgm:cxn modelId="{E9BAE579-74F9-40C2-A0A7-E3383DC5420A}" type="presOf" srcId="{CA6672FE-A628-4E96-A02F-AD11477B9913}" destId="{653D2EF1-ABB4-4A61-BDE0-4EF192BD6D7C}" srcOrd="0" destOrd="0" presId="urn:microsoft.com/office/officeart/2005/8/layout/bProcess3"/>
-    <dgm:cxn modelId="{B06A00D5-168A-48D5-9A36-C78ECE0C7CA4}" type="presOf" srcId="{6B71C55F-B54C-45DE-B786-69502E69DE99}" destId="{EA6ABCD5-04AE-42D2-B233-6DA2D19B4317}" srcOrd="0" destOrd="0" presId="urn:microsoft.com/office/officeart/2005/8/layout/bProcess3"/>
-    <dgm:cxn modelId="{88D5A565-730D-49D3-894F-457D8B1EFE43}" type="presOf" srcId="{BB7566AC-3A83-447F-BA2A-382B27004D25}" destId="{FD1B12E6-491D-4866-991D-DABF1CF9A08E}" srcOrd="0" destOrd="0" presId="urn:microsoft.com/office/officeart/2005/8/layout/bProcess3"/>
-    <dgm:cxn modelId="{6E560355-0363-4FBE-B749-BADDC1F23856}" type="presOf" srcId="{8562C8B8-CD04-4AFF-A5B2-3EB1D3C1951E}" destId="{1D597BB7-12ED-4FF2-875F-6A0E05FCDE15}" srcOrd="0" destOrd="0" presId="urn:microsoft.com/office/officeart/2005/8/layout/bProcess3"/>
-    <dgm:cxn modelId="{A74A622C-D23C-4D36-8A27-5171B5B182D1}" type="presOf" srcId="{C014A57D-C6E8-4AAB-A060-D5F6BCA37637}" destId="{ECCBF374-0ED4-444B-8A9C-CEA494A21939}" srcOrd="0" destOrd="0" presId="urn:microsoft.com/office/officeart/2005/8/layout/bProcess3"/>
-    <dgm:cxn modelId="{AD23B530-2CF3-4AC8-9C22-9DDC64E218CE}" type="presOf" srcId="{CA6672FE-A628-4E96-A02F-AD11477B9913}" destId="{122317E6-E9D2-467D-9EDB-38C3E75821E2}" srcOrd="1" destOrd="0" presId="urn:microsoft.com/office/officeart/2005/8/layout/bProcess3"/>
-    <dgm:cxn modelId="{4D794E6C-CD9F-465E-8E09-E4D8B37D6FDD}" srcId="{284E611E-71C2-417E-87EE-E417C0DB0558}" destId="{8562C8B8-CD04-4AFF-A5B2-3EB1D3C1951E}" srcOrd="2" destOrd="0" parTransId="{CA8B2205-EC3A-4CDE-98C0-30AB0984C862}" sibTransId="{D25109BB-C51E-409B-B555-F8E590E1A173}"/>
-    <dgm:cxn modelId="{36198BD3-5C4A-49B1-B2F1-A757E33773F1}" type="presOf" srcId="{89498499-B845-4AC2-A45D-43DE47DA4791}" destId="{7DA89222-7D2A-4F94-9114-DDC3D86D1BBD}" srcOrd="0" destOrd="0" presId="urn:microsoft.com/office/officeart/2005/8/layout/bProcess3"/>
-    <dgm:cxn modelId="{FE53A439-1995-4BD5-90F3-7C6F8DB4ECB4}" type="presOf" srcId="{D25109BB-C51E-409B-B555-F8E590E1A173}" destId="{813152EC-1F6D-439A-8CE5-F24DBEA37043}" srcOrd="1" destOrd="0" presId="urn:microsoft.com/office/officeart/2005/8/layout/bProcess3"/>
-    <dgm:cxn modelId="{5808AE75-2211-4FB7-8B07-056F34210B9E}" type="presOf" srcId="{A619BE21-A747-4D07-B7DA-1D0B35A5D68E}" destId="{F9BB8BF0-ABE2-425F-927E-8DB443D3107C}" srcOrd="1" destOrd="0" presId="urn:microsoft.com/office/officeart/2005/8/layout/bProcess3"/>
-    <dgm:cxn modelId="{600FDED3-7DE1-4918-9A6D-3FF26E51C238}" type="presOf" srcId="{284E611E-71C2-417E-87EE-E417C0DB0558}" destId="{FC86891E-1AEA-4CEB-ABF9-A70AD810E276}" srcOrd="0" destOrd="0" presId="urn:microsoft.com/office/officeart/2005/8/layout/bProcess3"/>
-    <dgm:cxn modelId="{5FFC02B3-2020-4BA3-877B-2E58F4B0BDBA}" srcId="{284E611E-71C2-417E-87EE-E417C0DB0558}" destId="{9FED3969-C2A7-4241-BA3F-88E4D1BE5E08}" srcOrd="7" destOrd="0" parTransId="{4DCCD035-D8B7-465F-8900-C54743183C48}" sibTransId="{CA6672FE-A628-4E96-A02F-AD11477B9913}"/>
-    <dgm:cxn modelId="{2438D8E7-F363-4CE1-B6A4-4739A2C5F144}" type="presOf" srcId="{D25109BB-C51E-409B-B555-F8E590E1A173}" destId="{90AC0A72-F5F1-4336-B253-433B1F614473}" srcOrd="0" destOrd="0" presId="urn:microsoft.com/office/officeart/2005/8/layout/bProcess3"/>
-    <dgm:cxn modelId="{77843CCA-207F-45FD-AB9E-97FA95C3A762}" type="presOf" srcId="{BB7566AC-3A83-447F-BA2A-382B27004D25}" destId="{6DCB67C7-FA58-4968-B9DE-68FD2F46AE3D}" srcOrd="1" destOrd="0" presId="urn:microsoft.com/office/officeart/2005/8/layout/bProcess3"/>
-    <dgm:cxn modelId="{6EC3E552-9A0C-4313-A01C-79994C50399C}" type="presOf" srcId="{B061CC9E-CF2F-431A-857C-FB77105DD357}" destId="{1FB9876E-C8A2-4D95-9220-7872EA0ABC80}" srcOrd="0" destOrd="0" presId="urn:microsoft.com/office/officeart/2005/8/layout/bProcess3"/>
-    <dgm:cxn modelId="{C88E7E14-9248-4863-BC9F-01C79587FEFE}" srcId="{284E611E-71C2-417E-87EE-E417C0DB0558}" destId="{B061CC9E-CF2F-431A-857C-FB77105DD357}" srcOrd="6" destOrd="0" parTransId="{E1488EB1-E596-47E8-B6B2-E2647BA652D8}" sibTransId="{BB7566AC-3A83-447F-BA2A-382B27004D25}"/>
-    <dgm:cxn modelId="{C8A9FED3-F1DD-46C9-A6C1-6E0516F5A08C}" type="presOf" srcId="{AF949BAC-DAF9-49E3-A897-CE547C9601F8}" destId="{A05CC8DD-4FE3-406E-8D70-6629907CACC6}" srcOrd="0" destOrd="0" presId="urn:microsoft.com/office/officeart/2005/8/layout/bProcess3"/>
-    <dgm:cxn modelId="{E9381861-41CF-4EE9-8587-A5DC3A464A0E}" type="presOf" srcId="{33CED1FC-237A-4ADD-9110-44F53CA8DD74}" destId="{D247B4AE-DEC9-4A22-9C58-486F4FDB0DF3}" srcOrd="1" destOrd="0" presId="urn:microsoft.com/office/officeart/2005/8/layout/bProcess3"/>
     <dgm:cxn modelId="{A936094C-C31C-4ED4-B6BB-F4EC764AF1A8}" type="presOf" srcId="{537E6BA5-EB98-4495-93A4-76B59A65DFCB}" destId="{64F59434-3D36-4818-A453-97D25FD05E4C}" srcOrd="1" destOrd="0" presId="urn:microsoft.com/office/officeart/2005/8/layout/bProcess3"/>
-    <dgm:cxn modelId="{CE466B8D-43DD-4E9A-8DFD-08346BA24B2A}" srcId="{284E611E-71C2-417E-87EE-E417C0DB0558}" destId="{CD540CCF-CE94-4407-9932-7CBF63ECE647}" srcOrd="1" destOrd="0" parTransId="{9C39E7CA-E33F-48E3-807D-25BFB68ECADB}" sibTransId="{537E6BA5-EB98-4495-93A4-76B59A65DFCB}"/>
     <dgm:cxn modelId="{CD365B80-8571-48F4-8B9A-2C43F2A95BF9}" type="presOf" srcId="{AF949BAC-DAF9-49E3-A897-CE547C9601F8}" destId="{266E3654-293B-49DF-8CEA-4C9175845E8E}" srcOrd="1" destOrd="0" presId="urn:microsoft.com/office/officeart/2005/8/layout/bProcess3"/>
-    <dgm:cxn modelId="{C8B7C9AE-5E8A-4CB1-82D6-FDD3658D93A3}" srcId="{284E611E-71C2-417E-87EE-E417C0DB0558}" destId="{1757B1B9-C856-406F-8738-AF3FCCED7E84}" srcOrd="5" destOrd="0" parTransId="{9CA5B989-D8DD-4D2C-B7C5-D5317127031D}" sibTransId="{E1F0745C-80E5-4E26-8653-3FD508814A25}"/>
-    <dgm:cxn modelId="{BD25D5D9-1315-49DD-9FCA-D01C97817BAF}" type="presOf" srcId="{E1F0745C-80E5-4E26-8653-3FD508814A25}" destId="{A7DE1B80-7716-408D-92DF-9DB6F1D41562}" srcOrd="0" destOrd="0" presId="urn:microsoft.com/office/officeart/2005/8/layout/bProcess3"/>
-    <dgm:cxn modelId="{69358BCF-D04A-4100-B29B-D1FDB1F61B55}" type="presOf" srcId="{CD540CCF-CE94-4407-9932-7CBF63ECE647}" destId="{C2ECE673-1768-4259-B993-98D82C851D5D}" srcOrd="0" destOrd="0" presId="urn:microsoft.com/office/officeart/2005/8/layout/bProcess3"/>
     <dgm:cxn modelId="{80B70EF6-FBBF-4AEC-A421-91E85273CDBA}" type="presParOf" srcId="{FC86891E-1AEA-4CEB-ABF9-A70AD810E276}" destId="{7DA89222-7D2A-4F94-9114-DDC3D86D1BBD}" srcOrd="0" destOrd="0" presId="urn:microsoft.com/office/officeart/2005/8/layout/bProcess3"/>
     <dgm:cxn modelId="{86863FE6-72A9-47BF-9FD4-2566A7AA41C9}" type="presParOf" srcId="{FC86891E-1AEA-4CEB-ABF9-A70AD810E276}" destId="{A05CC8DD-4FE3-406E-8D70-6629907CACC6}" srcOrd="1" destOrd="0" presId="urn:microsoft.com/office/officeart/2005/8/layout/bProcess3"/>
     <dgm:cxn modelId="{9B3C758A-3DC5-41D4-86A2-3F8B029C46C5}" type="presParOf" srcId="{A05CC8DD-4FE3-406E-8D70-6629907CACC6}" destId="{266E3654-293B-49DF-8CEA-4C9175845E8E}" srcOrd="0" destOrd="0" presId="urn:microsoft.com/office/officeart/2005/8/layout/bProcess3"/>
@@ -14417,10 +14417,10 @@
           <p:cNvPr id="35" name="Rectangle 34">
             <a:extLst>
               <a:ext uri="{FF2B5EF4-FFF2-40B4-BE49-F238E27FC236}">
-                <a16:creationId xmlns:a16="http://schemas.microsoft.com/office/drawing/2014/main" xmlns="" id="{C5373426-E26E-431D-959C-5DB96C0B6208}"/>
+                <a16:creationId xmlns="" xmlns:a16="http://schemas.microsoft.com/office/drawing/2014/main" id="{C5373426-E26E-431D-959C-5DB96C0B6208}"/>
               </a:ext>
               <a:ext uri="{C183D7F6-B498-43B3-948B-1728B52AA6E4}">
-                <adec:decorative xmlns:adec="http://schemas.microsoft.com/office/drawing/2017/decorative" xmlns="" val="1"/>
+                <adec:decorative xmlns="" xmlns:adec="http://schemas.microsoft.com/office/drawing/2017/decorative" val="1"/>
               </a:ext>
             </a:extLst>
           </p:cNvPr>
@@ -14430,7 +14430,7 @@
           <p:nvPr>
             <p:extLst>
               <p:ext uri="{386F3935-93C4-4BCD-93E2-E3B085C9AB24}">
-                <p16:designElem xmlns:p16="http://schemas.microsoft.com/office/powerpoint/2015/main" xmlns="" val="1"/>
+                <p16:designElem xmlns="" xmlns:p16="http://schemas.microsoft.com/office/powerpoint/2015/main" val="1"/>
               </p:ext>
             </p:extLst>
           </p:nvPr>
@@ -14511,7 +14511,7 @@
           <p:cNvPr id="2" name="Title 1">
             <a:extLst>
               <a:ext uri="{FF2B5EF4-FFF2-40B4-BE49-F238E27FC236}">
-                <a16:creationId xmlns:a16="http://schemas.microsoft.com/office/drawing/2014/main" xmlns="" id="{9AB2EA78-AEB3-469B-9025-3B17201A457B}"/>
+                <a16:creationId xmlns="" xmlns:a16="http://schemas.microsoft.com/office/drawing/2014/main" id="{9AB2EA78-AEB3-469B-9025-3B17201A457B}"/>
               </a:ext>
             </a:extLst>
           </p:cNvPr>
@@ -14570,7 +14570,7 @@
           <p:cNvPr id="3" name="Subtitle 2">
             <a:extLst>
               <a:ext uri="{FF2B5EF4-FFF2-40B4-BE49-F238E27FC236}">
-                <a16:creationId xmlns:a16="http://schemas.microsoft.com/office/drawing/2014/main" xmlns="" id="{255E1F2F-E259-4EA8-9FFD-3A10AF541859}"/>
+                <a16:creationId xmlns="" xmlns:a16="http://schemas.microsoft.com/office/drawing/2014/main" id="{255E1F2F-E259-4EA8-9FFD-3A10AF541859}"/>
               </a:ext>
             </a:extLst>
           </p:cNvPr>
@@ -14611,10 +14611,10 @@
           <p:cNvPr id="37" name="Straight Connector 36">
             <a:extLst>
               <a:ext uri="{FF2B5EF4-FFF2-40B4-BE49-F238E27FC236}">
-                <a16:creationId xmlns:a16="http://schemas.microsoft.com/office/drawing/2014/main" xmlns="" id="{96D07482-83A3-4451-943C-B46961082957}"/>
+                <a16:creationId xmlns="" xmlns:a16="http://schemas.microsoft.com/office/drawing/2014/main" id="{96D07482-83A3-4451-943C-B46961082957}"/>
               </a:ext>
               <a:ext uri="{C183D7F6-B498-43B3-948B-1728B52AA6E4}">
-                <adec:decorative xmlns:adec="http://schemas.microsoft.com/office/drawing/2017/decorative" xmlns="" val="1"/>
+                <adec:decorative xmlns="" xmlns:adec="http://schemas.microsoft.com/office/drawing/2017/decorative" val="1"/>
               </a:ext>
             </a:extLst>
           </p:cNvPr>
@@ -14624,7 +14624,7 @@
           <p:nvPr>
             <p:extLst>
               <p:ext uri="{386F3935-93C4-4BCD-93E2-E3B085C9AB24}">
-                <p16:designElem xmlns:p16="http://schemas.microsoft.com/office/powerpoint/2015/main" xmlns="" val="1"/>
+                <p16:designElem xmlns="" xmlns:p16="http://schemas.microsoft.com/office/powerpoint/2015/main" val="1"/>
               </p:ext>
             </p:extLst>
           </p:nvPr>
@@ -14663,10 +14663,10 @@
           <p:cNvPr id="39" name="Rectangle 38">
             <a:extLst>
               <a:ext uri="{FF2B5EF4-FFF2-40B4-BE49-F238E27FC236}">
-                <a16:creationId xmlns:a16="http://schemas.microsoft.com/office/drawing/2014/main" xmlns="" id="{EDC90921-9082-491B-940E-827D679F3478}"/>
+                <a16:creationId xmlns="" xmlns:a16="http://schemas.microsoft.com/office/drawing/2014/main" id="{EDC90921-9082-491B-940E-827D679F3478}"/>
               </a:ext>
               <a:ext uri="{C183D7F6-B498-43B3-948B-1728B52AA6E4}">
-                <adec:decorative xmlns:adec="http://schemas.microsoft.com/office/drawing/2017/decorative" xmlns="" val="1"/>
+                <adec:decorative xmlns="" xmlns:adec="http://schemas.microsoft.com/office/drawing/2017/decorative" val="1"/>
               </a:ext>
             </a:extLst>
           </p:cNvPr>
@@ -14676,7 +14676,7 @@
           <p:nvPr>
             <p:extLst>
               <p:ext uri="{386F3935-93C4-4BCD-93E2-E3B085C9AB24}">
-                <p16:designElem xmlns:p16="http://schemas.microsoft.com/office/powerpoint/2015/main" xmlns="" val="1"/>
+                <p16:designElem xmlns="" xmlns:p16="http://schemas.microsoft.com/office/powerpoint/2015/main" val="1"/>
               </p:ext>
             </p:extLst>
           </p:nvPr>
@@ -14757,7 +14757,7 @@
           <p:cNvPr id="2" name="TextBox 1">
             <a:extLst>
               <a:ext uri="{FF2B5EF4-FFF2-40B4-BE49-F238E27FC236}">
-                <a16:creationId xmlns:a16="http://schemas.microsoft.com/office/drawing/2014/main" xmlns="" id="{1F2393E4-D3B2-6592-D59B-F3D28F3FC024}"/>
+                <a16:creationId xmlns="" xmlns:a16="http://schemas.microsoft.com/office/drawing/2014/main" id="{1F2393E4-D3B2-6592-D59B-F3D28F3FC024}"/>
               </a:ext>
             </a:extLst>
           </p:cNvPr>
@@ -14918,16 +14918,7 @@
                 <a:cs typeface="Calibri" panose="020F0502020204030204" pitchFamily="34" charset="0"/>
                 <a:sym typeface="Arial"/>
               </a:rPr>
-              <a:t>      </a:t>
-            </a:r>
-            <a:r>
-              <a:rPr lang="en-US" sz="1600" dirty="0" smtClean="0">
-                <a:latin typeface="Calibri" panose="020F0502020204030204" pitchFamily="34" charset="0"/>
-                <a:ea typeface="Calibri" panose="020F0502020204030204" pitchFamily="34" charset="0"/>
-                <a:cs typeface="Calibri" panose="020F0502020204030204" pitchFamily="34" charset="0"/>
-                <a:sym typeface="Arial"/>
-              </a:rPr>
-              <a:t>pandas </a:t>
+              <a:t>      pandas </a:t>
             </a:r>
             <a:r>
               <a:rPr lang="en-US" sz="1600" dirty="0">
@@ -14992,25 +14983,7 @@
                 <a:cs typeface="Calibri" panose="020F0502020204030204" pitchFamily="34" charset="0"/>
                 <a:sym typeface="Arial"/>
               </a:rPr>
-              <a:t>Data pipeline was created to implement data scaling, </a:t>
-            </a:r>
-            <a:r>
-              <a:rPr lang="en-US" sz="1600" dirty="0">
-                <a:latin typeface="Calibri" panose="020F0502020204030204" pitchFamily="34" charset="0"/>
-                <a:ea typeface="Calibri" panose="020F0502020204030204" pitchFamily="34" charset="0"/>
-                <a:cs typeface="Calibri" panose="020F0502020204030204" pitchFamily="34" charset="0"/>
-                <a:sym typeface="Arial"/>
-              </a:rPr>
-              <a:t>Ordinal encoding </a:t>
-            </a:r>
-            <a:r>
-              <a:rPr lang="en-US" sz="1600" dirty="0">
-                <a:latin typeface="Calibri" panose="020F0502020204030204" pitchFamily="34" charset="0"/>
-                <a:ea typeface="Calibri" panose="020F0502020204030204" pitchFamily="34" charset="0"/>
-                <a:cs typeface="Calibri" panose="020F0502020204030204" pitchFamily="34" charset="0"/>
-                <a:sym typeface="Arial"/>
-              </a:rPr>
-              <a:t>and an estimator to prevent any data </a:t>
+              <a:t>Data pipeline was created to implement data scaling, Ordinal encoding and an estimator to prevent any data </a:t>
             </a:r>
             <a:endParaRPr lang="en-US" sz="1600" dirty="0" smtClean="0">
               <a:latin typeface="Calibri" panose="020F0502020204030204" pitchFamily="34" charset="0"/>
@@ -15149,7 +15122,7 @@
           <p:cNvPr id="2" name="TextBox 1">
             <a:extLst>
               <a:ext uri="{FF2B5EF4-FFF2-40B4-BE49-F238E27FC236}">
-                <a16:creationId xmlns:a16="http://schemas.microsoft.com/office/drawing/2014/main" xmlns="" id="{DF27D7F7-18D3-C96D-3827-5F0932FB3717}"/>
+                <a16:creationId xmlns="" xmlns:a16="http://schemas.microsoft.com/office/drawing/2014/main" id="{DF27D7F7-18D3-C96D-3827-5F0932FB3717}"/>
               </a:ext>
             </a:extLst>
           </p:cNvPr>
@@ -15754,7 +15727,7 @@
           <p:cNvPr id="2" name="TextBox 1">
             <a:extLst>
               <a:ext uri="{FF2B5EF4-FFF2-40B4-BE49-F238E27FC236}">
-                <a16:creationId xmlns:a16="http://schemas.microsoft.com/office/drawing/2014/main" xmlns="" id="{2879DCEC-7024-ED45-D7D2-8B9A2A5E386F}"/>
+                <a16:creationId xmlns="" xmlns:a16="http://schemas.microsoft.com/office/drawing/2014/main" id="{2879DCEC-7024-ED45-D7D2-8B9A2A5E386F}"/>
               </a:ext>
             </a:extLst>
           </p:cNvPr>
@@ -15823,12 +15796,12 @@
               <a:t>Development of a predictive </a:t>
             </a:r>
             <a:r>
-              <a:rPr lang="en-US" dirty="0" err="1" smtClean="0">
+              <a:rPr lang="en-US" dirty="0" smtClean="0">
                 <a:latin typeface="Calibri" panose="020F0502020204030204" pitchFamily="34" charset="0"/>
                 <a:ea typeface="Calibri" panose="020F0502020204030204" pitchFamily="34" charset="0"/>
                 <a:cs typeface="Calibri" panose="020F0502020204030204" pitchFamily="34" charset="0"/>
               </a:rPr>
-              <a:t>regressor</a:t>
+              <a:t>Regressor </a:t>
             </a:r>
             <a:r>
               <a:rPr lang="en-US" dirty="0" smtClean="0">
@@ -15836,23 +15809,7 @@
                 <a:ea typeface="Calibri" panose="020F0502020204030204" pitchFamily="34" charset="0"/>
                 <a:cs typeface="Calibri" panose="020F0502020204030204" pitchFamily="34" charset="0"/>
               </a:rPr>
-              <a:t> model to find </a:t>
-            </a:r>
-            <a:r>
-              <a:rPr lang="en-US" dirty="0" smtClean="0">
-                <a:latin typeface="Calibri" panose="020F0502020204030204" pitchFamily="34" charset="0"/>
-                <a:ea typeface="Calibri" panose="020F0502020204030204" pitchFamily="34" charset="0"/>
-                <a:cs typeface="Calibri" panose="020F0502020204030204" pitchFamily="34" charset="0"/>
-              </a:rPr>
-              <a:t>premium of insurance one has to pay depending on conditions mentioned. </a:t>
-            </a:r>
-            <a:r>
-              <a:rPr lang="en-US" dirty="0" smtClean="0">
-                <a:latin typeface="Calibri" panose="020F0502020204030204" pitchFamily="34" charset="0"/>
-                <a:ea typeface="Calibri" panose="020F0502020204030204" pitchFamily="34" charset="0"/>
-                <a:cs typeface="Calibri" panose="020F0502020204030204" pitchFamily="34" charset="0"/>
-              </a:rPr>
-              <a:t>This model requires age, No of children, smoker or no, </a:t>
+              <a:t>model to find premium of insurance one has to pay depending on conditions mentioned. This model requires age, No of children, smoker or no, </a:t>
             </a:r>
             <a:r>
               <a:rPr lang="en-US" dirty="0" err="1" smtClean="0">
@@ -15868,23 +15825,7 @@
                 <a:ea typeface="Calibri" panose="020F0502020204030204" pitchFamily="34" charset="0"/>
                 <a:cs typeface="Calibri" panose="020F0502020204030204" pitchFamily="34" charset="0"/>
               </a:rPr>
-              <a:t>, region </a:t>
-            </a:r>
-            <a:r>
-              <a:rPr lang="en-US" dirty="0" smtClean="0">
-                <a:latin typeface="Calibri" panose="020F0502020204030204" pitchFamily="34" charset="0"/>
-                <a:ea typeface="Calibri" panose="020F0502020204030204" pitchFamily="34" charset="0"/>
-                <a:cs typeface="Calibri" panose="020F0502020204030204" pitchFamily="34" charset="0"/>
-              </a:rPr>
-              <a:t>and sex of individual </a:t>
-            </a:r>
-            <a:r>
-              <a:rPr lang="en-US" dirty="0" smtClean="0">
-                <a:latin typeface="Calibri" panose="020F0502020204030204" pitchFamily="34" charset="0"/>
-                <a:ea typeface="Calibri" panose="020F0502020204030204" pitchFamily="34" charset="0"/>
-                <a:cs typeface="Calibri" panose="020F0502020204030204" pitchFamily="34" charset="0"/>
-              </a:rPr>
-              <a:t>respectively.</a:t>
+              <a:t>, region and sex of individual respectively.</a:t>
             </a:r>
           </a:p>
           <a:p>
@@ -15934,23 +15875,7 @@
                 <a:ea typeface="Calibri" panose="020F0502020204030204" pitchFamily="34" charset="0"/>
                 <a:cs typeface="Calibri" panose="020F0502020204030204" pitchFamily="34" charset="0"/>
               </a:rPr>
-              <a:t>This model can be used to determine the </a:t>
-            </a:r>
-            <a:r>
-              <a:rPr lang="en-US" dirty="0" smtClean="0">
-                <a:latin typeface="Calibri" panose="020F0502020204030204" pitchFamily="34" charset="0"/>
-                <a:ea typeface="Calibri" panose="020F0502020204030204" pitchFamily="34" charset="0"/>
-                <a:cs typeface="Calibri" panose="020F0502020204030204" pitchFamily="34" charset="0"/>
-              </a:rPr>
-              <a:t>expenses on premium one have to do </a:t>
-            </a:r>
-            <a:r>
-              <a:rPr lang="en-US" dirty="0" smtClean="0">
-                <a:latin typeface="Calibri" panose="020F0502020204030204" pitchFamily="34" charset="0"/>
-                <a:ea typeface="Calibri" panose="020F0502020204030204" pitchFamily="34" charset="0"/>
-                <a:cs typeface="Calibri" panose="020F0502020204030204" pitchFamily="34" charset="0"/>
-              </a:rPr>
-              <a:t>and can be used to help individual to plan according to that.</a:t>
+              <a:t>This model can be used to determine the expenses on premium one have to do and can be used to help individual to plan according to that.</a:t>
             </a:r>
           </a:p>
           <a:p>
@@ -16009,7 +15934,7 @@
           <p:cNvPr id="2" name="Title 1">
             <a:extLst>
               <a:ext uri="{FF2B5EF4-FFF2-40B4-BE49-F238E27FC236}">
-                <a16:creationId xmlns:a16="http://schemas.microsoft.com/office/drawing/2014/main" xmlns="" id="{6CC0A06F-50B7-66C4-A23A-B4A6664AA1B1}"/>
+                <a16:creationId xmlns="" xmlns:a16="http://schemas.microsoft.com/office/drawing/2014/main" id="{6CC0A06F-50B7-66C4-A23A-B4A6664AA1B1}"/>
               </a:ext>
             </a:extLst>
           </p:cNvPr>
@@ -16071,7 +15996,7 @@
           <p:cNvPr id="5" name="TextBox 4">
             <a:extLst>
               <a:ext uri="{FF2B5EF4-FFF2-40B4-BE49-F238E27FC236}">
-                <a16:creationId xmlns:a16="http://schemas.microsoft.com/office/drawing/2014/main" xmlns="" id="{DFDE9400-A54E-8220-740F-E348C1FE2F46}"/>
+                <a16:creationId xmlns="" xmlns:a16="http://schemas.microsoft.com/office/drawing/2014/main" id="{DFDE9400-A54E-8220-740F-E348C1FE2F46}"/>
               </a:ext>
             </a:extLst>
           </p:cNvPr>
@@ -17241,7 +17166,7 @@
           <p:cNvPr id="3" name="Content Placeholder 2">
             <a:extLst>
               <a:ext uri="{FF2B5EF4-FFF2-40B4-BE49-F238E27FC236}">
-                <a16:creationId xmlns:a16="http://schemas.microsoft.com/office/drawing/2014/main" xmlns="" id="{C8C874CB-34BD-DBF4-BF9E-C3C756E4D230}"/>
+                <a16:creationId xmlns="" xmlns:a16="http://schemas.microsoft.com/office/drawing/2014/main" id="{C8C874CB-34BD-DBF4-BF9E-C3C756E4D230}"/>
               </a:ext>
             </a:extLst>
           </p:cNvPr>
@@ -17291,21 +17216,18 @@
               <a:t>Data </a:t>
             </a:r>
             <a:r>
-              <a:rPr lang="en-US" sz="3600" b="1" i="1" dirty="0">
-                <a:latin typeface="Calibri" panose="020F0502020204030204" pitchFamily="34" charset="0"/>
-                <a:ea typeface="Calibri" panose="020F0502020204030204" pitchFamily="34" charset="0"/>
-                <a:cs typeface="Calibri" panose="020F0502020204030204" pitchFamily="34" charset="0"/>
-              </a:rPr>
-              <a:t>Insertion in </a:t>
-            </a:r>
-            <a:r>
               <a:rPr lang="en-US" sz="3600" b="1" i="1" dirty="0" smtClean="0">
                 <a:latin typeface="Calibri" panose="020F0502020204030204" pitchFamily="34" charset="0"/>
                 <a:ea typeface="Calibri" panose="020F0502020204030204" pitchFamily="34" charset="0"/>
                 <a:cs typeface="Calibri" panose="020F0502020204030204" pitchFamily="34" charset="0"/>
               </a:rPr>
-              <a:t>Database</a:t>
+              <a:t>Ingestion</a:t>
             </a:r>
+            <a:endParaRPr lang="en-US" sz="3600" b="1" i="1" dirty="0" smtClean="0">
+              <a:latin typeface="Calibri" panose="020F0502020204030204" pitchFamily="34" charset="0"/>
+              <a:ea typeface="Calibri" panose="020F0502020204030204" pitchFamily="34" charset="0"/>
+              <a:cs typeface="Calibri" panose="020F0502020204030204" pitchFamily="34" charset="0"/>
+            </a:endParaRPr>
           </a:p>
           <a:p>
             <a:pPr marL="742950" lvl="1" indent="-304800" algn="just" rtl="0">
@@ -17492,7 +17414,7 @@
           <p:cNvPr id="3" name="TextBox 2">
             <a:extLst>
               <a:ext uri="{FF2B5EF4-FFF2-40B4-BE49-F238E27FC236}">
-                <a16:creationId xmlns:a16="http://schemas.microsoft.com/office/drawing/2014/main" xmlns="" id="{3E36A06D-7A20-D0AF-EBEE-78EA8B4B9C2A}"/>
+                <a16:creationId xmlns="" xmlns:a16="http://schemas.microsoft.com/office/drawing/2014/main" id="{3E36A06D-7A20-D0AF-EBEE-78EA8B4B9C2A}"/>
               </a:ext>
             </a:extLst>
           </p:cNvPr>
@@ -17764,7 +17686,7 @@
           <p:cNvPr id="2" name="TextBox 1">
             <a:extLst>
               <a:ext uri="{FF2B5EF4-FFF2-40B4-BE49-F238E27FC236}">
-                <a16:creationId xmlns:a16="http://schemas.microsoft.com/office/drawing/2014/main" xmlns="" id="{6CA74017-9CD8-EBD7-D0BA-F72E0E62FAE8}"/>
+                <a16:creationId xmlns="" xmlns:a16="http://schemas.microsoft.com/office/drawing/2014/main" id="{6CA74017-9CD8-EBD7-D0BA-F72E0E62FAE8}"/>
               </a:ext>
             </a:extLst>
           </p:cNvPr>
@@ -18018,7 +17940,7 @@
           <p:cNvPr id="2" name="Title 1">
             <a:extLst>
               <a:ext uri="{FF2B5EF4-FFF2-40B4-BE49-F238E27FC236}">
-                <a16:creationId xmlns:a16="http://schemas.microsoft.com/office/drawing/2014/main" xmlns="" id="{75AC86D3-8FD1-4F47-A319-7D0542E48B2F}"/>
+                <a16:creationId xmlns="" xmlns:a16="http://schemas.microsoft.com/office/drawing/2014/main" id="{75AC86D3-8FD1-4F47-A319-7D0542E48B2F}"/>
               </a:ext>
             </a:extLst>
           </p:cNvPr>
@@ -18065,7 +17987,7 @@
           <p:cNvPr id="4" name="Table 4">
             <a:extLst>
               <a:ext uri="{FF2B5EF4-FFF2-40B4-BE49-F238E27FC236}">
-                <a16:creationId xmlns:a16="http://schemas.microsoft.com/office/drawing/2014/main" xmlns="" id="{C266CDD0-3E96-40BD-8324-62D1DD86152D}"/>
+                <a16:creationId xmlns="" xmlns:a16="http://schemas.microsoft.com/office/drawing/2014/main" id="{C266CDD0-3E96-40BD-8324-62D1DD86152D}"/>
               </a:ext>
             </a:extLst>
           </p:cNvPr>
@@ -18095,28 +18017,28 @@
                 <a:gridCol w="2491820">
                   <a:extLst>
                     <a:ext uri="{9D8B030D-6E8A-4147-A177-3AD203B41FA5}">
-                      <a16:colId xmlns:a16="http://schemas.microsoft.com/office/drawing/2014/main" xmlns="" val="2981917977"/>
+                      <a16:colId xmlns="" xmlns:a16="http://schemas.microsoft.com/office/drawing/2014/main" val="2981917977"/>
                     </a:ext>
                   </a:extLst>
                 </a:gridCol>
                 <a:gridCol w="2491820">
                   <a:extLst>
                     <a:ext uri="{9D8B030D-6E8A-4147-A177-3AD203B41FA5}">
-                      <a16:colId xmlns:a16="http://schemas.microsoft.com/office/drawing/2014/main" xmlns="" val="945233394"/>
+                      <a16:colId xmlns="" xmlns:a16="http://schemas.microsoft.com/office/drawing/2014/main" val="945233394"/>
                     </a:ext>
                   </a:extLst>
                 </a:gridCol>
                 <a:gridCol w="2491820">
                   <a:extLst>
                     <a:ext uri="{9D8B030D-6E8A-4147-A177-3AD203B41FA5}">
-                      <a16:colId xmlns:a16="http://schemas.microsoft.com/office/drawing/2014/main" xmlns="" val="2572263168"/>
+                      <a16:colId xmlns="" xmlns:a16="http://schemas.microsoft.com/office/drawing/2014/main" val="2572263168"/>
                     </a:ext>
                   </a:extLst>
                 </a:gridCol>
                 <a:gridCol w="2491820">
                   <a:extLst>
                     <a:ext uri="{9D8B030D-6E8A-4147-A177-3AD203B41FA5}">
-                      <a16:colId xmlns:a16="http://schemas.microsoft.com/office/drawing/2014/main" xmlns="" val="3812217730"/>
+                      <a16:colId xmlns="" xmlns:a16="http://schemas.microsoft.com/office/drawing/2014/main" val="3812217730"/>
                     </a:ext>
                   </a:extLst>
                 </a:gridCol>
@@ -18368,7 +18290,7 @@
                 </a:tc>
                 <a:extLst>
                   <a:ext uri="{0D108BD9-81ED-4DB2-BD59-A6C34878D82A}">
-                    <a16:rowId xmlns:a16="http://schemas.microsoft.com/office/drawing/2014/main" xmlns="" val="2580512675"/>
+                    <a16:rowId xmlns="" xmlns:a16="http://schemas.microsoft.com/office/drawing/2014/main" val="2580512675"/>
                   </a:ext>
                 </a:extLst>
               </a:tr>
@@ -18706,7 +18628,7 @@
                 </a:tc>
                 <a:extLst>
                   <a:ext uri="{0D108BD9-81ED-4DB2-BD59-A6C34878D82A}">
-                    <a16:rowId xmlns:a16="http://schemas.microsoft.com/office/drawing/2014/main" xmlns="" val="2085369860"/>
+                    <a16:rowId xmlns="" xmlns:a16="http://schemas.microsoft.com/office/drawing/2014/main" val="2085369860"/>
                   </a:ext>
                 </a:extLst>
               </a:tr>
@@ -18756,7 +18678,7 @@
           <p:cNvPr id="2" name="TextBox 1">
             <a:extLst>
               <a:ext uri="{FF2B5EF4-FFF2-40B4-BE49-F238E27FC236}">
-                <a16:creationId xmlns:a16="http://schemas.microsoft.com/office/drawing/2014/main" xmlns="" id="{2C2C1ED0-10EC-CBD3-2039-E42DCE2708FA}"/>
+                <a16:creationId xmlns="" xmlns:a16="http://schemas.microsoft.com/office/drawing/2014/main" id="{2C2C1ED0-10EC-CBD3-2039-E42DCE2708FA}"/>
               </a:ext>
             </a:extLst>
           </p:cNvPr>
@@ -19272,6 +19194,15 @@
 </file>
 
 <file path=customXml/item2.xml><?xml version="1.0" encoding="utf-8"?>
+<p:properties xmlns:p="http://schemas.microsoft.com/office/2006/metadata/properties" xmlns:xsi="http://www.w3.org/2001/XMLSchema-instance" xmlns:pc="http://schemas.microsoft.com/office/infopath/2007/PartnerControls">
+  <documentManagement>
+    <Status xmlns="71af3243-3dd4-4a8d-8c0d-dd76da1f02a5">Not started</Status>
+    <MediaServiceKeyPoints xmlns="71af3243-3dd4-4a8d-8c0d-dd76da1f02a5" xsi:nil="true"/>
+  </documentManagement>
+</p:properties>
+</file>
+
+<file path=customXml/item3.xml><?xml version="1.0" encoding="utf-8"?>
 <ct:contentTypeSchema xmlns:ct="http://schemas.microsoft.com/office/2006/metadata/contentType" xmlns:ma="http://schemas.microsoft.com/office/2006/metadata/properties/metaAttributes" ct:_="" ma:_="" ma:contentTypeName="Document" ma:contentTypeID="0x01010079F111ED35F8CC479449609E8A0923A6" ma:contentTypeVersion="12" ma:contentTypeDescription="Create a new document." ma:contentTypeScope="" ma:versionID="a410dd7f93c95333ffa1b60ed6adedd1">
   <xsd:schema xmlns:xsd="http://www.w3.org/2001/XMLSchema" xmlns:xs="http://www.w3.org/2001/XMLSchema" xmlns:p="http://schemas.microsoft.com/office/2006/metadata/properties" xmlns:ns2="71af3243-3dd4-4a8d-8c0d-dd76da1f02a5" xmlns:ns3="16c05727-aa75-4e4a-9b5f-8a80a1165891" targetNamespace="http://schemas.microsoft.com/office/2006/metadata/properties" ma:root="true" ma:fieldsID="a936d9baba76aa3866493feff160faab" ns2:_="" ns3:_="">
     <xsd:import namespace="71af3243-3dd4-4a8d-8c0d-dd76da1f02a5"/>
@@ -19492,15 +19423,6 @@
 </ct:contentTypeSchema>
 </file>
 
-<file path=customXml/item3.xml><?xml version="1.0" encoding="utf-8"?>
-<p:properties xmlns:p="http://schemas.microsoft.com/office/2006/metadata/properties" xmlns:xsi="http://www.w3.org/2001/XMLSchema-instance" xmlns:pc="http://schemas.microsoft.com/office/infopath/2007/PartnerControls">
-  <documentManagement>
-    <Status xmlns="71af3243-3dd4-4a8d-8c0d-dd76da1f02a5">Not started</Status>
-    <MediaServiceKeyPoints xmlns="71af3243-3dd4-4a8d-8c0d-dd76da1f02a5" xsi:nil="true"/>
-  </documentManagement>
-</p:properties>
-</file>
-
 <file path=customXml/itemProps1.xml><?xml version="1.0" encoding="utf-8"?>
 <ds:datastoreItem xmlns:ds="http://schemas.openxmlformats.org/officeDocument/2006/customXml" ds:itemID="{AA3F7EDC-E5B4-4BBC-9D2A-CBE6D46C37AD}">
   <ds:schemaRefs>
@@ -19510,6 +19432,23 @@
 </file>
 
 <file path=customXml/itemProps2.xml><?xml version="1.0" encoding="utf-8"?>
+<ds:datastoreItem xmlns:ds="http://schemas.openxmlformats.org/officeDocument/2006/customXml" ds:itemID="{A03EEFF0-FB57-4CB4-8BFC-DF397689E2ED}">
+  <ds:schemaRefs>
+    <ds:schemaRef ds:uri="http://purl.org/dc/terms/"/>
+    <ds:schemaRef ds:uri="http://schemas.microsoft.com/office/2006/documentManagement/types"/>
+    <ds:schemaRef ds:uri="http://schemas.microsoft.com/office/infopath/2007/PartnerControls"/>
+    <ds:schemaRef ds:uri="http://schemas.openxmlformats.org/package/2006/metadata/core-properties"/>
+    <ds:schemaRef ds:uri="http://purl.org/dc/elements/1.1/"/>
+    <ds:schemaRef ds:uri="16c05727-aa75-4e4a-9b5f-8a80a1165891"/>
+    <ds:schemaRef ds:uri="71af3243-3dd4-4a8d-8c0d-dd76da1f02a5"/>
+    <ds:schemaRef ds:uri="http://schemas.microsoft.com/office/2006/metadata/properties"/>
+    <ds:schemaRef ds:uri="http://www.w3.org/XML/1998/namespace"/>
+    <ds:schemaRef ds:uri="http://purl.org/dc/dcmitype/"/>
+  </ds:schemaRefs>
+</ds:datastoreItem>
+</file>
+
+<file path=customXml/itemProps3.xml><?xml version="1.0" encoding="utf-8"?>
 <ds:datastoreItem xmlns:ds="http://schemas.openxmlformats.org/officeDocument/2006/customXml" ds:itemID="{93932EF5-314F-409E-8020-FEE5FA0795B9}">
   <ds:schemaRefs>
     <ds:schemaRef ds:uri="http://schemas.microsoft.com/office/2006/metadata/contentType"/>
@@ -19526,21 +19465,4 @@
     <ds:schemaRef ds:uri="http://schemas.microsoft.com/internal/obd"/>
   </ds:schemaRefs>
 </ds:datastoreItem>
-</file>
-
-<file path=customXml/itemProps3.xml><?xml version="1.0" encoding="utf-8"?>
-<ds:datastoreItem xmlns:ds="http://schemas.openxmlformats.org/officeDocument/2006/customXml" ds:itemID="{A03EEFF0-FB57-4CB4-8BFC-DF397689E2ED}">
-  <ds:schemaRefs>
-    <ds:schemaRef ds:uri="http://purl.org/dc/terms/"/>
-    <ds:schemaRef ds:uri="http://schemas.microsoft.com/office/2006/documentManagement/types"/>
-    <ds:schemaRef ds:uri="http://schemas.microsoft.com/office/infopath/2007/PartnerControls"/>
-    <ds:schemaRef ds:uri="http://schemas.openxmlformats.org/package/2006/metadata/core-properties"/>
-    <ds:schemaRef ds:uri="http://purl.org/dc/elements/1.1/"/>
-    <ds:schemaRef ds:uri="16c05727-aa75-4e4a-9b5f-8a80a1165891"/>
-    <ds:schemaRef ds:uri="71af3243-3dd4-4a8d-8c0d-dd76da1f02a5"/>
-    <ds:schemaRef ds:uri="http://schemas.microsoft.com/office/2006/metadata/properties"/>
-    <ds:schemaRef ds:uri="http://www.w3.org/XML/1998/namespace"/>
-    <ds:schemaRef ds:uri="http://purl.org/dc/dcmitype/"/>
-  </ds:schemaRefs>
-</ds:datastoreItem>
 </file>